--- a/AneX-Proposal presentation.pptx
+++ b/AneX-Proposal presentation.pptx
@@ -3208,8 +3208,13 @@
           </a:pPr>
           <a:r>
             <a:rPr lang="en-US" sz="2000" dirty="0"/>
-            <a:t>The recommendation engine pre-processes the dataset</a:t>
+            <a:t>The recommendation engine processes the dataset based on user </a:t>
           </a:r>
+          <a:r>
+            <a:rPr lang="en-US" sz="2000"/>
+            <a:t>requirments</a:t>
+          </a:r>
+          <a:endParaRPr lang="en-US" sz="2000" dirty="0"/>
         </a:p>
       </dgm:t>
     </dgm:pt>
@@ -4649,7 +4654,7 @@
       </dsp:nvSpPr>
       <dsp:spPr>
         <a:xfrm>
-          <a:off x="333176" y="1067423"/>
+          <a:off x="333176" y="894808"/>
           <a:ext cx="962533" cy="962533"/>
         </a:xfrm>
         <a:prstGeom prst="rect">
@@ -4705,8 +4710,8 @@
       </dsp:nvSpPr>
       <dsp:spPr>
         <a:xfrm>
-          <a:off x="109578" y="2416641"/>
-          <a:ext cx="1801966" cy="1467333"/>
+          <a:off x="109578" y="2295789"/>
+          <a:ext cx="1801966" cy="1760800"/>
         </a:xfrm>
         <a:prstGeom prst="rect">
           <a:avLst/>
@@ -4754,8 +4759,8 @@
         </a:p>
       </dsp:txBody>
       <dsp:txXfrm>
-        <a:off x="109578" y="2416641"/>
-        <a:ext cx="1801966" cy="1467333"/>
+        <a:off x="109578" y="2295789"/>
+        <a:ext cx="1801966" cy="1760800"/>
       </dsp:txXfrm>
     </dsp:sp>
     <dsp:sp modelId="{285D8C1A-EB9D-40ED-8738-CF1F8F57F028}">
@@ -4765,7 +4770,7 @@
       </dsp:nvSpPr>
       <dsp:spPr>
         <a:xfrm>
-          <a:off x="3019771" y="1013078"/>
+          <a:off x="3019771" y="840463"/>
           <a:ext cx="962533" cy="962533"/>
         </a:xfrm>
         <a:prstGeom prst="rect">
@@ -4821,8 +4826,8 @@
       </dsp:nvSpPr>
       <dsp:spPr>
         <a:xfrm>
-          <a:off x="2542218" y="2416641"/>
-          <a:ext cx="2138962" cy="1467333"/>
+          <a:off x="2542218" y="2295789"/>
+          <a:ext cx="2138962" cy="1760800"/>
         </a:xfrm>
         <a:prstGeom prst="rect">
           <a:avLst/>
@@ -4865,13 +4870,18 @@
           </a:pPr>
           <a:r>
             <a:rPr lang="en-US" sz="2000" kern="1200" dirty="0"/>
-            <a:t>The recommendation engine pre-processes the dataset</a:t>
+            <a:t>The recommendation engine processes the dataset based on user </a:t>
           </a:r>
+          <a:r>
+            <a:rPr lang="en-US" sz="2000" kern="1200"/>
+            <a:t>requirments</a:t>
+          </a:r>
+          <a:endParaRPr lang="en-US" sz="2000" kern="1200" dirty="0"/>
         </a:p>
       </dsp:txBody>
       <dsp:txXfrm>
-        <a:off x="2542218" y="2416641"/>
-        <a:ext cx="2138962" cy="1467333"/>
+        <a:off x="2542218" y="2295789"/>
+        <a:ext cx="2138962" cy="1760800"/>
       </dsp:txXfrm>
     </dsp:sp>
     <dsp:sp modelId="{FA81E6AA-973D-4175-A5FE-1657B1F19036}">
@@ -4881,7 +4891,7 @@
       </dsp:nvSpPr>
       <dsp:spPr>
         <a:xfrm>
-          <a:off x="5753289" y="1110284"/>
+          <a:off x="5753289" y="937669"/>
           <a:ext cx="962533" cy="962533"/>
         </a:xfrm>
         <a:prstGeom prst="rect">
@@ -4937,8 +4947,8 @@
       </dsp:nvSpPr>
       <dsp:spPr>
         <a:xfrm>
-          <a:off x="5334826" y="2551944"/>
-          <a:ext cx="1740431" cy="1467333"/>
+          <a:off x="5334826" y="2458152"/>
+          <a:ext cx="1740431" cy="1760800"/>
         </a:xfrm>
         <a:prstGeom prst="rect">
           <a:avLst/>
@@ -4986,8 +4996,8 @@
         </a:p>
       </dsp:txBody>
       <dsp:txXfrm>
-        <a:off x="5334826" y="2551944"/>
-        <a:ext cx="1740431" cy="1467333"/>
+        <a:off x="5334826" y="2458152"/>
+        <a:ext cx="1740431" cy="1760800"/>
       </dsp:txXfrm>
     </dsp:sp>
   </dsp:spTree>
@@ -9909,7 +9919,7 @@
           <a:p>
             <a:fld id="{228FEC97-C3E5-4D74-9A60-A186C6E88031}" type="datetimeFigureOut">
               <a:rPr lang="en-US" smtClean="0"/>
-              <a:t>4/25/2024</a:t>
+              <a:t>4/26/2024</a:t>
             </a:fld>
             <a:endParaRPr lang="en-US"/>
           </a:p>
@@ -10207,7 +10217,7 @@
           <a:p>
             <a:fld id="{228FEC97-C3E5-4D74-9A60-A186C6E88031}" type="datetimeFigureOut">
               <a:rPr lang="en-US" smtClean="0"/>
-              <a:t>4/25/2024</a:t>
+              <a:t>4/26/2024</a:t>
             </a:fld>
             <a:endParaRPr lang="en-US"/>
           </a:p>
@@ -10399,7 +10409,7 @@
           <a:p>
             <a:fld id="{228FEC97-C3E5-4D74-9A60-A186C6E88031}" type="datetimeFigureOut">
               <a:rPr lang="en-US" smtClean="0"/>
-              <a:t>4/25/2024</a:t>
+              <a:t>4/26/2024</a:t>
             </a:fld>
             <a:endParaRPr lang="en-US"/>
           </a:p>
@@ -10660,7 +10670,7 @@
           <a:p>
             <a:fld id="{228FEC97-C3E5-4D74-9A60-A186C6E88031}" type="datetimeFigureOut">
               <a:rPr lang="en-US" smtClean="0"/>
-              <a:t>4/25/2024</a:t>
+              <a:t>4/26/2024</a:t>
             </a:fld>
             <a:endParaRPr lang="en-US"/>
           </a:p>
@@ -11084,7 +11094,7 @@
           <a:p>
             <a:fld id="{228FEC97-C3E5-4D74-9A60-A186C6E88031}" type="datetimeFigureOut">
               <a:rPr lang="en-US" smtClean="0"/>
-              <a:t>4/25/2024</a:t>
+              <a:t>4/26/2024</a:t>
             </a:fld>
             <a:endParaRPr lang="en-US"/>
           </a:p>
@@ -11621,7 +11631,7 @@
           <a:p>
             <a:fld id="{228FEC97-C3E5-4D74-9A60-A186C6E88031}" type="datetimeFigureOut">
               <a:rPr lang="en-US" smtClean="0"/>
-              <a:t>4/25/2024</a:t>
+              <a:t>4/26/2024</a:t>
             </a:fld>
             <a:endParaRPr lang="en-US"/>
           </a:p>
@@ -12485,7 +12495,7 @@
           <a:p>
             <a:fld id="{228FEC97-C3E5-4D74-9A60-A186C6E88031}" type="datetimeFigureOut">
               <a:rPr lang="en-US" smtClean="0"/>
-              <a:t>4/25/2024</a:t>
+              <a:t>4/26/2024</a:t>
             </a:fld>
             <a:endParaRPr lang="en-US"/>
           </a:p>
@@ -12655,7 +12665,7 @@
           <a:p>
             <a:fld id="{228FEC97-C3E5-4D74-9A60-A186C6E88031}" type="datetimeFigureOut">
               <a:rPr lang="en-US" smtClean="0"/>
-              <a:t>4/25/2024</a:t>
+              <a:t>4/26/2024</a:t>
             </a:fld>
             <a:endParaRPr lang="en-US"/>
           </a:p>
@@ -12839,7 +12849,7 @@
           <a:p>
             <a:fld id="{228FEC97-C3E5-4D74-9A60-A186C6E88031}" type="datetimeFigureOut">
               <a:rPr lang="en-US" smtClean="0"/>
-              <a:t>4/25/2024</a:t>
+              <a:t>4/26/2024</a:t>
             </a:fld>
             <a:endParaRPr lang="en-US"/>
           </a:p>
@@ -13009,7 +13019,7 @@
           <a:p>
             <a:fld id="{228FEC97-C3E5-4D74-9A60-A186C6E88031}" type="datetimeFigureOut">
               <a:rPr lang="en-US" smtClean="0"/>
-              <a:t>4/25/2024</a:t>
+              <a:t>4/26/2024</a:t>
             </a:fld>
             <a:endParaRPr lang="en-US"/>
           </a:p>
@@ -13253,7 +13263,7 @@
           <a:p>
             <a:fld id="{228FEC97-C3E5-4D74-9A60-A186C6E88031}" type="datetimeFigureOut">
               <a:rPr lang="en-US" smtClean="0"/>
-              <a:t>4/25/2024</a:t>
+              <a:t>4/26/2024</a:t>
             </a:fld>
             <a:endParaRPr lang="en-US"/>
           </a:p>
@@ -13489,7 +13499,7 @@
           <a:p>
             <a:fld id="{228FEC97-C3E5-4D74-9A60-A186C6E88031}" type="datetimeFigureOut">
               <a:rPr lang="en-US" smtClean="0"/>
-              <a:t>4/25/2024</a:t>
+              <a:t>4/26/2024</a:t>
             </a:fld>
             <a:endParaRPr lang="en-US"/>
           </a:p>
@@ -13955,7 +13965,7 @@
           <a:p>
             <a:fld id="{228FEC97-C3E5-4D74-9A60-A186C6E88031}" type="datetimeFigureOut">
               <a:rPr lang="en-US" smtClean="0"/>
-              <a:t>4/25/2024</a:t>
+              <a:t>4/26/2024</a:t>
             </a:fld>
             <a:endParaRPr lang="en-US"/>
           </a:p>
@@ -14073,7 +14083,7 @@
           <a:p>
             <a:fld id="{228FEC97-C3E5-4D74-9A60-A186C6E88031}" type="datetimeFigureOut">
               <a:rPr lang="en-US" smtClean="0"/>
-              <a:t>4/25/2024</a:t>
+              <a:t>4/26/2024</a:t>
             </a:fld>
             <a:endParaRPr lang="en-US"/>
           </a:p>
@@ -14168,7 +14178,7 @@
           <a:p>
             <a:fld id="{228FEC97-C3E5-4D74-9A60-A186C6E88031}" type="datetimeFigureOut">
               <a:rPr lang="en-US" smtClean="0"/>
-              <a:t>4/25/2024</a:t>
+              <a:t>4/26/2024</a:t>
             </a:fld>
             <a:endParaRPr lang="en-US"/>
           </a:p>
@@ -14423,7 +14433,7 @@
           <a:p>
             <a:fld id="{228FEC97-C3E5-4D74-9A60-A186C6E88031}" type="datetimeFigureOut">
               <a:rPr lang="en-US" smtClean="0"/>
-              <a:t>4/25/2024</a:t>
+              <a:t>4/26/2024</a:t>
             </a:fld>
             <a:endParaRPr lang="en-US"/>
           </a:p>
@@ -14723,7 +14733,7 @@
           <a:p>
             <a:fld id="{228FEC97-C3E5-4D74-9A60-A186C6E88031}" type="datetimeFigureOut">
               <a:rPr lang="en-US" smtClean="0"/>
-              <a:t>4/25/2024</a:t>
+              <a:t>4/26/2024</a:t>
             </a:fld>
             <a:endParaRPr lang="en-US"/>
           </a:p>
@@ -14957,7 +14967,7 @@
           <a:p>
             <a:fld id="{228FEC97-C3E5-4D74-9A60-A186C6E88031}" type="datetimeFigureOut">
               <a:rPr lang="en-US" smtClean="0"/>
-              <a:t>4/25/2024</a:t>
+              <a:t>4/26/2024</a:t>
             </a:fld>
             <a:endParaRPr lang="en-US"/>
           </a:p>
@@ -17569,7 +17579,7 @@
             <p:ph idx="1"/>
             <p:extLst>
               <p:ext uri="{D42A27DB-BD31-4B8C-83A1-F6EECF244321}">
-                <p14:modId xmlns:p14="http://schemas.microsoft.com/office/powerpoint/2010/main" val="2451927447"/>
+                <p14:modId xmlns:p14="http://schemas.microsoft.com/office/powerpoint/2010/main" val="3176440961"/>
               </p:ext>
             </p:extLst>
           </p:nvPr>
